--- a/Part1/3회/part1_3.pptx
+++ b/Part1/3회/part1_3.pptx
@@ -245,7 +245,7 @@
           <a:p>
             <a:fld id="{A3139E96-7603-44B3-BBA3-9906FE3BB47A}" type="datetimeFigureOut">
               <a:rPr lang="ko-KR" altLang="en-US" smtClean="0"/>
-              <a:t>2018-04-21</a:t>
+              <a:t>2018-05-12</a:t>
             </a:fld>
             <a:endParaRPr lang="ko-KR" altLang="en-US"/>
           </a:p>
@@ -415,7 +415,7 @@
           <a:p>
             <a:fld id="{A3139E96-7603-44B3-BBA3-9906FE3BB47A}" type="datetimeFigureOut">
               <a:rPr lang="ko-KR" altLang="en-US" smtClean="0"/>
-              <a:t>2018-04-21</a:t>
+              <a:t>2018-05-12</a:t>
             </a:fld>
             <a:endParaRPr lang="ko-KR" altLang="en-US"/>
           </a:p>
@@ -595,7 +595,7 @@
           <a:p>
             <a:fld id="{A3139E96-7603-44B3-BBA3-9906FE3BB47A}" type="datetimeFigureOut">
               <a:rPr lang="ko-KR" altLang="en-US" smtClean="0"/>
-              <a:t>2018-04-21</a:t>
+              <a:t>2018-05-12</a:t>
             </a:fld>
             <a:endParaRPr lang="ko-KR" altLang="en-US"/>
           </a:p>
@@ -765,7 +765,7 @@
           <a:p>
             <a:fld id="{A3139E96-7603-44B3-BBA3-9906FE3BB47A}" type="datetimeFigureOut">
               <a:rPr lang="ko-KR" altLang="en-US" smtClean="0"/>
-              <a:t>2018-04-21</a:t>
+              <a:t>2018-05-12</a:t>
             </a:fld>
             <a:endParaRPr lang="ko-KR" altLang="en-US"/>
           </a:p>
@@ -1011,7 +1011,7 @@
           <a:p>
             <a:fld id="{A3139E96-7603-44B3-BBA3-9906FE3BB47A}" type="datetimeFigureOut">
               <a:rPr lang="ko-KR" altLang="en-US" smtClean="0"/>
-              <a:t>2018-04-21</a:t>
+              <a:t>2018-05-12</a:t>
             </a:fld>
             <a:endParaRPr lang="ko-KR" altLang="en-US"/>
           </a:p>
@@ -1243,7 +1243,7 @@
           <a:p>
             <a:fld id="{A3139E96-7603-44B3-BBA3-9906FE3BB47A}" type="datetimeFigureOut">
               <a:rPr lang="ko-KR" altLang="en-US" smtClean="0"/>
-              <a:t>2018-04-21</a:t>
+              <a:t>2018-05-12</a:t>
             </a:fld>
             <a:endParaRPr lang="ko-KR" altLang="en-US"/>
           </a:p>
@@ -1610,7 +1610,7 @@
           <a:p>
             <a:fld id="{A3139E96-7603-44B3-BBA3-9906FE3BB47A}" type="datetimeFigureOut">
               <a:rPr lang="ko-KR" altLang="en-US" smtClean="0"/>
-              <a:t>2018-04-21</a:t>
+              <a:t>2018-05-12</a:t>
             </a:fld>
             <a:endParaRPr lang="ko-KR" altLang="en-US"/>
           </a:p>
@@ -1728,7 +1728,7 @@
           <a:p>
             <a:fld id="{A3139E96-7603-44B3-BBA3-9906FE3BB47A}" type="datetimeFigureOut">
               <a:rPr lang="ko-KR" altLang="en-US" smtClean="0"/>
-              <a:t>2018-04-21</a:t>
+              <a:t>2018-05-12</a:t>
             </a:fld>
             <a:endParaRPr lang="ko-KR" altLang="en-US"/>
           </a:p>
@@ -1823,7 +1823,7 @@
           <a:p>
             <a:fld id="{A3139E96-7603-44B3-BBA3-9906FE3BB47A}" type="datetimeFigureOut">
               <a:rPr lang="ko-KR" altLang="en-US" smtClean="0"/>
-              <a:t>2018-04-21</a:t>
+              <a:t>2018-05-12</a:t>
             </a:fld>
             <a:endParaRPr lang="ko-KR" altLang="en-US"/>
           </a:p>
@@ -2100,7 +2100,7 @@
           <a:p>
             <a:fld id="{A3139E96-7603-44B3-BBA3-9906FE3BB47A}" type="datetimeFigureOut">
               <a:rPr lang="ko-KR" altLang="en-US" smtClean="0"/>
-              <a:t>2018-04-21</a:t>
+              <a:t>2018-05-12</a:t>
             </a:fld>
             <a:endParaRPr lang="ko-KR" altLang="en-US"/>
           </a:p>
@@ -2353,7 +2353,7 @@
           <a:p>
             <a:fld id="{A3139E96-7603-44B3-BBA3-9906FE3BB47A}" type="datetimeFigureOut">
               <a:rPr lang="ko-KR" altLang="en-US" smtClean="0"/>
-              <a:t>2018-04-21</a:t>
+              <a:t>2018-05-12</a:t>
             </a:fld>
             <a:endParaRPr lang="ko-KR" altLang="en-US"/>
           </a:p>
@@ -2566,7 +2566,7 @@
           <a:p>
             <a:fld id="{A3139E96-7603-44B3-BBA3-9906FE3BB47A}" type="datetimeFigureOut">
               <a:rPr lang="ko-KR" altLang="en-US" smtClean="0"/>
-              <a:t>2018-04-21</a:t>
+              <a:t>2018-05-12</a:t>
             </a:fld>
             <a:endParaRPr lang="ko-KR" altLang="en-US"/>
           </a:p>
@@ -2971,38 +2971,6 @@
           <a:chExt cx="0" cy="0"/>
         </a:xfrm>
       </p:grpSpPr>
-      <p:sp>
-        <p:nvSpPr>
-          <p:cNvPr id="2" name="제목 1"/>
-          <p:cNvSpPr>
-            <a:spLocks noGrp="1"/>
-          </p:cNvSpPr>
-          <p:nvPr>
-            <p:ph type="ctrTitle"/>
-          </p:nvPr>
-        </p:nvSpPr>
-        <p:spPr>
-          <a:xfrm>
-            <a:off x="3983620" y="561277"/>
-            <a:ext cx="7319058" cy="1571204"/>
-          </a:xfrm>
-        </p:spPr>
-        <p:txBody>
-          <a:bodyPr/>
-          <a:lstStyle/>
-          <a:p>
-            <a:r>
-              <a:rPr lang="en-US" altLang="ko-KR" dirty="0" smtClean="0"/>
-              <a:t>Part 1 3</a:t>
-            </a:r>
-            <a:r>
-              <a:rPr lang="ko-KR" altLang="en-US" dirty="0" smtClean="0"/>
-              <a:t>회</a:t>
-            </a:r>
-            <a:endParaRPr lang="ko-KR" altLang="en-US" dirty="0"/>
-          </a:p>
-        </p:txBody>
-      </p:sp>
       <p:pic>
         <p:nvPicPr>
           <p:cNvPr id="4" name="그림 3"/>
